--- a/Formulario_Investigacion_Diagramas_editables.pptx
+++ b/Formulario_Investigacion_Diagramas_editables.pptx
@@ -3112,7 +3112,11 @@
           <a:lstStyle/>
           <a:p>
             <a:pPr algn="ctr">
-              <a:defRPr sz="3200" b="1"/>
+              <a:defRPr sz="3200" b="1">
+                <a:solidFill>
+                  <a:srgbClr val="000000"/>
+                </a:solidFill>
+              </a:defRPr>
             </a:pPr>
             <a:r>
               <a:t>Arquitectura – editable</a:t>
@@ -3145,7 +3149,7 @@
             <a:pPr algn="ctr">
               <a:defRPr sz="1800">
                 <a:solidFill>
-                  <a:srgbClr val="404040"/>
+                  <a:srgbClr val="000000"/>
                 </a:solidFill>
               </a:defRPr>
             </a:pPr>
@@ -3163,8 +3167,8 @@
         </p:nvSpPr>
         <p:spPr>
           <a:xfrm>
-            <a:off x="576000" y="1800000"/>
-            <a:ext cx="2088000" cy="1080000"/>
+            <a:off x="859680" y="2138400"/>
+            <a:ext cx="2280960" cy="846000"/>
           </a:xfrm>
           <a:prstGeom prst="roundRect">
             <a:avLst/>
@@ -3197,7 +3201,11 @@
           <a:lstStyle/>
           <a:p>
             <a:pPr algn="ctr">
-              <a:defRPr sz="1800" b="1"/>
+              <a:defRPr sz="1800" b="1">
+                <a:solidFill>
+                  <a:srgbClr val="000000"/>
+                </a:solidFill>
+              </a:defRPr>
             </a:pPr>
             <a:r>
               <a:t>Gestión de Investigaciones</a:t>
@@ -3213,8 +3221,8 @@
         </p:nvSpPr>
         <p:spPr>
           <a:xfrm>
-            <a:off x="2952000" y="1800000"/>
-            <a:ext cx="2088000" cy="1080000"/>
+            <a:off x="3568320" y="2138400"/>
+            <a:ext cx="2280960" cy="846000"/>
           </a:xfrm>
           <a:prstGeom prst="roundRect">
             <a:avLst/>
@@ -3247,7 +3255,11 @@
           <a:lstStyle/>
           <a:p>
             <a:pPr algn="ctr">
-              <a:defRPr sz="1800" b="0"/>
+              <a:defRPr sz="1800" b="0">
+                <a:solidFill>
+                  <a:srgbClr val="000000"/>
+                </a:solidFill>
+              </a:defRPr>
             </a:pPr>
             <a:r>
               <a:t>Investigador</a:t>
@@ -3263,8 +3275,8 @@
         </p:nvSpPr>
         <p:spPr>
           <a:xfrm>
-            <a:off x="5328000" y="1800000"/>
-            <a:ext cx="2088000" cy="1260000"/>
+            <a:off x="6419520" y="2476800"/>
+            <a:ext cx="2851200" cy="1015200"/>
           </a:xfrm>
           <a:prstGeom prst="roundRect">
             <a:avLst/>
@@ -3297,7 +3309,11 @@
           <a:lstStyle/>
           <a:p>
             <a:pPr algn="ctr">
-              <a:defRPr sz="1800" b="1"/>
+              <a:defRPr sz="1800" b="1">
+                <a:solidFill>
+                  <a:srgbClr val="000000"/>
+                </a:solidFill>
+              </a:defRPr>
             </a:pPr>
             <a:r>
               <a:t>Aplicación Python Tkinter GUI</a:t>
@@ -3317,8 +3333,8 @@
         </p:nvSpPr>
         <p:spPr>
           <a:xfrm>
-            <a:off x="7704000" y="1800000"/>
-            <a:ext cx="2088000" cy="1260000"/>
+            <a:off x="10126080" y="2138400"/>
+            <a:ext cx="1995840" cy="846000"/>
           </a:xfrm>
           <a:prstGeom prst="roundRect">
             <a:avLst/>
@@ -3351,7 +3367,11 @@
           <a:lstStyle/>
           <a:p>
             <a:pPr algn="ctr">
-              <a:defRPr sz="1800" b="0"/>
+              <a:defRPr sz="1800" b="0">
+                <a:solidFill>
+                  <a:srgbClr val="000000"/>
+                </a:solidFill>
+              </a:defRPr>
             </a:pPr>
             <a:r>
               <a:t>Catálogos empresariales futuro</a:t>
@@ -3371,8 +3391,8 @@
         </p:nvSpPr>
         <p:spPr>
           <a:xfrm>
-            <a:off x="10080000" y="1800000"/>
-            <a:ext cx="2088000" cy="1080000"/>
+            <a:off x="12407040" y="2138400"/>
+            <a:ext cx="1710720" cy="846000"/>
           </a:xfrm>
           <a:prstGeom prst="roundRect">
             <a:avLst/>
@@ -3405,7 +3425,11 @@
           <a:lstStyle/>
           <a:p>
             <a:pPr algn="ctr">
-              <a:defRPr sz="1800" b="0"/>
+              <a:defRPr sz="1800" b="0">
+                <a:solidFill>
+                  <a:srgbClr val="000000"/>
+                </a:solidFill>
+              </a:defRPr>
             </a:pPr>
             <a:r>
               <a:t>Registro de riesgos GRC</a:t>
@@ -3421,8 +3445,8 @@
         </p:nvSpPr>
         <p:spPr>
           <a:xfrm>
-            <a:off x="12456000" y="1800000"/>
-            <a:ext cx="2088000" cy="1080000"/>
+            <a:off x="10126080" y="3322800"/>
+            <a:ext cx="1995840" cy="846000"/>
           </a:xfrm>
           <a:prstGeom prst="roundRect">
             <a:avLst/>
@@ -3455,7 +3479,11 @@
           <a:lstStyle/>
           <a:p>
             <a:pPr algn="ctr">
-              <a:defRPr sz="1800" b="0"/>
+              <a:defRPr sz="1800" b="0">
+                <a:solidFill>
+                  <a:srgbClr val="000000"/>
+                </a:solidFill>
+              </a:defRPr>
             </a:pPr>
             <a:r>
               <a:t>Índice maestro de normas</a:t>
@@ -3471,8 +3499,8 @@
         </p:nvSpPr>
         <p:spPr>
           <a:xfrm>
-            <a:off x="2952000" y="3780000"/>
-            <a:ext cx="2088000" cy="1080000"/>
+            <a:off x="4138560" y="4338000"/>
+            <a:ext cx="1995840" cy="761400"/>
           </a:xfrm>
           <a:prstGeom prst="roundRect">
             <a:avLst/>
@@ -3505,7 +3533,11 @@
           <a:lstStyle/>
           <a:p>
             <a:pPr algn="ctr">
-              <a:defRPr sz="1800" b="0"/>
+              <a:defRPr sz="1800" b="0">
+                <a:solidFill>
+                  <a:srgbClr val="000000"/>
+                </a:solidFill>
+              </a:defRPr>
             </a:pPr>
             <a:r>
               <a:t>main.py</a:t>
@@ -3525,8 +3557,8 @@
         </p:nvSpPr>
         <p:spPr>
           <a:xfrm>
-            <a:off x="5328000" y="3780000"/>
-            <a:ext cx="2088000" cy="1224000"/>
+            <a:off x="6704640" y="4338000"/>
+            <a:ext cx="2566080" cy="1015200"/>
           </a:xfrm>
           <a:prstGeom prst="roundRect">
             <a:avLst/>
@@ -3559,7 +3591,11 @@
           <a:lstStyle/>
           <a:p>
             <a:pPr algn="ctr">
-              <a:defRPr sz="1800" b="1"/>
+              <a:defRPr sz="1800" b="1">
+                <a:solidFill>
+                  <a:srgbClr val="000000"/>
+                </a:solidFill>
+              </a:defRPr>
             </a:pPr>
             <a:r>
               <a:t>FormularioInvestigacionesFraude app.py</a:t>
@@ -3579,8 +3615,8 @@
         </p:nvSpPr>
         <p:spPr>
           <a:xfrm>
-            <a:off x="7704000" y="3780000"/>
-            <a:ext cx="2088000" cy="1512000"/>
+            <a:off x="9840960" y="4338000"/>
+            <a:ext cx="3421440" cy="1015200"/>
           </a:xfrm>
           <a:prstGeom prst="roundRect">
             <a:avLst/>
@@ -3613,7 +3649,11 @@
           <a:lstStyle/>
           <a:p>
             <a:pPr algn="ctr">
-              <a:defRPr sz="1800" b="0"/>
+              <a:defRPr sz="1800" b="0">
+                <a:solidFill>
+                  <a:srgbClr val="000000"/>
+                </a:solidFill>
+              </a:defRPr>
             </a:pPr>
             <a:r>
               <a:t>ui/frames/*</a:t>
@@ -3633,8 +3673,8 @@
         </p:nvSpPr>
         <p:spPr>
           <a:xfrm>
-            <a:off x="576000" y="5148000"/>
-            <a:ext cx="2088000" cy="1296000"/>
+            <a:off x="1287360" y="5860800"/>
+            <a:ext cx="2566080" cy="930600"/>
           </a:xfrm>
           <a:prstGeom prst="roundRect">
             <a:avLst/>
@@ -3667,7 +3707,11 @@
           <a:lstStyle/>
           <a:p>
             <a:pPr algn="ctr">
-              <a:defRPr sz="1800" b="0"/>
+              <a:defRPr sz="1800" b="0">
+                <a:solidFill>
+                  <a:srgbClr val="000000"/>
+                </a:solidFill>
+              </a:defRPr>
             </a:pPr>
             <a:r>
               <a:t>models/*</a:t>
@@ -3687,8 +3731,8 @@
         </p:nvSpPr>
         <p:spPr>
           <a:xfrm>
-            <a:off x="2952000" y="5148000"/>
-            <a:ext cx="2088000" cy="1296000"/>
+            <a:off x="4423680" y="5860800"/>
+            <a:ext cx="2566080" cy="930600"/>
           </a:xfrm>
           <a:prstGeom prst="roundRect">
             <a:avLst/>
@@ -3721,7 +3765,11 @@
           <a:lstStyle/>
           <a:p>
             <a:pPr algn="ctr">
-              <a:defRPr sz="1800" b="0"/>
+              <a:defRPr sz="1800" b="0">
+                <a:solidFill>
+                  <a:srgbClr val="000000"/>
+                </a:solidFill>
+              </a:defRPr>
             </a:pPr>
             <a:r>
               <a:t>validators.py</a:t>
@@ -3741,8 +3789,8 @@
         </p:nvSpPr>
         <p:spPr>
           <a:xfrm>
-            <a:off x="5328000" y="5148000"/>
-            <a:ext cx="2088000" cy="1368000"/>
+            <a:off x="7560000" y="5860800"/>
+            <a:ext cx="2566080" cy="930600"/>
           </a:xfrm>
           <a:prstGeom prst="roundRect">
             <a:avLst/>
@@ -3775,7 +3823,11 @@
           <a:lstStyle/>
           <a:p>
             <a:pPr algn="ctr">
-              <a:defRPr sz="1800" b="0"/>
+              <a:defRPr sz="1800" b="0">
+                <a:solidFill>
+                  <a:srgbClr val="000000"/>
+                </a:solidFill>
+              </a:defRPr>
             </a:pPr>
             <a:r>
               <a:t>report_builder.py</a:t>
@@ -3795,8 +3847,8 @@
         </p:nvSpPr>
         <p:spPr>
           <a:xfrm>
-            <a:off x="7704000" y="5148000"/>
-            <a:ext cx="2088000" cy="1368000"/>
+            <a:off x="10696320" y="5860800"/>
+            <a:ext cx="2566080" cy="930600"/>
           </a:xfrm>
           <a:prstGeom prst="roundRect">
             <a:avLst/>
@@ -3829,7 +3881,11 @@
           <a:lstStyle/>
           <a:p>
             <a:pPr algn="ctr">
-              <a:defRPr sz="1800" b="0"/>
+              <a:defRPr sz="1800" b="0">
+                <a:solidFill>
+                  <a:srgbClr val="000000"/>
+                </a:solidFill>
+              </a:defRPr>
             </a:pPr>
             <a:r>
               <a:t>Sistema de archivos</a:t>
@@ -3849,8 +3905,8 @@
         </p:nvSpPr>
         <p:spPr>
           <a:xfrm>
-            <a:off x="10080000" y="5148000"/>
-            <a:ext cx="2088000" cy="1296000"/>
+            <a:off x="13262400" y="5860800"/>
+            <a:ext cx="1425600" cy="930600"/>
           </a:xfrm>
           <a:prstGeom prst="roundRect">
             <a:avLst/>
@@ -3883,7 +3939,11 @@
           <a:lstStyle/>
           <a:p>
             <a:pPr algn="ctr">
-              <a:defRPr sz="1800" b="0"/>
+              <a:defRPr sz="1800" b="0">
+                <a:solidFill>
+                  <a:srgbClr val="000000"/>
+                </a:solidFill>
+              </a:defRPr>
             </a:pPr>
             <a:r>
               <a:t>Unidad externa</a:t>
@@ -3903,8 +3963,8 @@
         </p:nvSpPr>
         <p:spPr>
           <a:xfrm>
-            <a:off x="576000" y="6120000"/>
-            <a:ext cx="1944000" cy="1007999"/>
+            <a:off x="1287360" y="7045200"/>
+            <a:ext cx="2280960" cy="761400"/>
           </a:xfrm>
           <a:prstGeom prst="roundRect">
             <a:avLst/>
@@ -3937,7 +3997,11 @@
           <a:lstStyle/>
           <a:p>
             <a:pPr algn="ctr">
-              <a:defRPr sz="1800" b="0"/>
+              <a:defRPr sz="1800" b="0">
+                <a:solidFill>
+                  <a:srgbClr val="000000"/>
+                </a:solidFill>
+              </a:defRPr>
             </a:pPr>
             <a:r>
               <a:t>Pestaña Caso</a:t>
@@ -3953,8 +4017,8 @@
         </p:nvSpPr>
         <p:spPr>
           <a:xfrm>
-            <a:off x="2952000" y="6120000"/>
-            <a:ext cx="1944000" cy="1007999"/>
+            <a:off x="3853440" y="7045200"/>
+            <a:ext cx="2280960" cy="761400"/>
           </a:xfrm>
           <a:prstGeom prst="roundRect">
             <a:avLst/>
@@ -3987,7 +4051,11 @@
           <a:lstStyle/>
           <a:p>
             <a:pPr algn="ctr">
-              <a:defRPr sz="1800" b="0"/>
+              <a:defRPr sz="1800" b="0">
+                <a:solidFill>
+                  <a:srgbClr val="000000"/>
+                </a:solidFill>
+              </a:defRPr>
             </a:pPr>
             <a:r>
               <a:t>Pestaña Clientes</a:t>
@@ -4003,8 +4071,8 @@
         </p:nvSpPr>
         <p:spPr>
           <a:xfrm>
-            <a:off x="5328000" y="6120000"/>
-            <a:ext cx="1944000" cy="1007999"/>
+            <a:off x="6419520" y="7045200"/>
+            <a:ext cx="2280960" cy="761400"/>
           </a:xfrm>
           <a:prstGeom prst="roundRect">
             <a:avLst/>
@@ -4037,7 +4105,11 @@
           <a:lstStyle/>
           <a:p>
             <a:pPr algn="ctr">
-              <a:defRPr sz="1800" b="0"/>
+              <a:defRPr sz="1800" b="0">
+                <a:solidFill>
+                  <a:srgbClr val="000000"/>
+                </a:solidFill>
+              </a:defRPr>
             </a:pPr>
             <a:r>
               <a:t>Pestaña Team Members</a:t>
@@ -4053,8 +4125,8 @@
         </p:nvSpPr>
         <p:spPr>
           <a:xfrm>
-            <a:off x="7704000" y="6120000"/>
-            <a:ext cx="1944000" cy="1007999"/>
+            <a:off x="8985600" y="7045200"/>
+            <a:ext cx="2280960" cy="761400"/>
           </a:xfrm>
           <a:prstGeom prst="roundRect">
             <a:avLst/>
@@ -4087,7 +4159,11 @@
           <a:lstStyle/>
           <a:p>
             <a:pPr algn="ctr">
-              <a:defRPr sz="1800" b="0"/>
+              <a:defRPr sz="1800" b="0">
+                <a:solidFill>
+                  <a:srgbClr val="000000"/>
+                </a:solidFill>
+              </a:defRPr>
             </a:pPr>
             <a:r>
               <a:t>Pestaña Productos</a:t>
@@ -4103,8 +4179,8 @@
         </p:nvSpPr>
         <p:spPr>
           <a:xfrm>
-            <a:off x="10080000" y="6120000"/>
-            <a:ext cx="1944000" cy="1007999"/>
+            <a:off x="11551680" y="7045200"/>
+            <a:ext cx="2280960" cy="761400"/>
           </a:xfrm>
           <a:prstGeom prst="roundRect">
             <a:avLst/>
@@ -4137,7 +4213,11 @@
           <a:lstStyle/>
           <a:p>
             <a:pPr algn="ctr">
-              <a:defRPr sz="1800" b="0"/>
+              <a:defRPr sz="1800" b="0">
+                <a:solidFill>
+                  <a:srgbClr val="000000"/>
+                </a:solidFill>
+              </a:defRPr>
             </a:pPr>
             <a:r>
               <a:t>Pestaña Riesgos</a:t>
@@ -4153,8 +4233,8 @@
         </p:nvSpPr>
         <p:spPr>
           <a:xfrm>
-            <a:off x="576000" y="7272000"/>
-            <a:ext cx="1944000" cy="1007999"/>
+            <a:off x="1287360" y="8060400"/>
+            <a:ext cx="2280960" cy="761400"/>
           </a:xfrm>
           <a:prstGeom prst="roundRect">
             <a:avLst/>
@@ -4187,7 +4267,11 @@
           <a:lstStyle/>
           <a:p>
             <a:pPr algn="ctr">
-              <a:defRPr sz="1800" b="0"/>
+              <a:defRPr sz="1800" b="0">
+                <a:solidFill>
+                  <a:srgbClr val="000000"/>
+                </a:solidFill>
+              </a:defRPr>
             </a:pPr>
             <a:r>
               <a:t>Pestaña Normas</a:t>
@@ -4203,8 +4287,8 @@
         </p:nvSpPr>
         <p:spPr>
           <a:xfrm>
-            <a:off x="2952000" y="7272000"/>
-            <a:ext cx="1944000" cy="1007999"/>
+            <a:off x="3853440" y="8060400"/>
+            <a:ext cx="2280960" cy="761400"/>
           </a:xfrm>
           <a:prstGeom prst="roundRect">
             <a:avLst/>
@@ -4237,7 +4321,11 @@
           <a:lstStyle/>
           <a:p>
             <a:pPr algn="ctr">
-              <a:defRPr sz="1800" b="0"/>
+              <a:defRPr sz="1800" b="0">
+                <a:solidFill>
+                  <a:srgbClr val="000000"/>
+                </a:solidFill>
+              </a:defRPr>
             </a:pPr>
             <a:r>
               <a:t>Tab Acciones</a:t>
@@ -4253,8 +4341,8 @@
         </p:nvSpPr>
         <p:spPr>
           <a:xfrm>
-            <a:off x="5328000" y="7272000"/>
-            <a:ext cx="1944000" cy="1007999"/>
+            <a:off x="6419520" y="8060400"/>
+            <a:ext cx="2280960" cy="761400"/>
           </a:xfrm>
           <a:prstGeom prst="roundRect">
             <a:avLst/>
@@ -4287,7 +4375,11 @@
           <a:lstStyle/>
           <a:p>
             <a:pPr algn="ctr">
-              <a:defRPr sz="1800" b="0"/>
+              <a:defRPr sz="1800" b="0">
+                <a:solidFill>
+                  <a:srgbClr val="000000"/>
+                </a:solidFill>
+              </a:defRPr>
             </a:pPr>
             <a:r>
               <a:t>Tab Resumen</a:t>
@@ -4303,8 +4395,8 @@
         </p:nvSpPr>
         <p:spPr>
           <a:xfrm>
-            <a:off x="7704000" y="7272000"/>
-            <a:ext cx="1944000" cy="1007999"/>
+            <a:off x="8985600" y="8060400"/>
+            <a:ext cx="2280960" cy="761400"/>
           </a:xfrm>
           <a:prstGeom prst="roundRect">
             <a:avLst/>
@@ -4337,7 +4429,11 @@
           <a:lstStyle/>
           <a:p>
             <a:pPr algn="ctr">
-              <a:defRPr sz="1800" b="0"/>
+              <a:defRPr sz="1800" b="0">
+                <a:solidFill>
+                  <a:srgbClr val="000000"/>
+                </a:solidFill>
+              </a:defRPr>
             </a:pPr>
             <a:r>
               <a:t>Importadores CSV</a:t>
@@ -4353,8 +4449,8 @@
         </p:nvSpPr>
         <p:spPr>
           <a:xfrm>
-            <a:off x="10080000" y="7272000"/>
-            <a:ext cx="1944000" cy="1007999"/>
+            <a:off x="11551680" y="8060400"/>
+            <a:ext cx="2280960" cy="761400"/>
           </a:xfrm>
           <a:prstGeom prst="roundRect">
             <a:avLst/>
@@ -4387,7 +4483,11 @@
           <a:lstStyle/>
           <a:p>
             <a:pPr algn="ctr">
-              <a:defRPr sz="1800" b="0"/>
+              <a:defRPr sz="1800" b="0">
+                <a:solidFill>
+                  <a:srgbClr val="000000"/>
+                </a:solidFill>
+              </a:defRPr>
             </a:pPr>
             <a:r>
               <a:t>Servicio de Catálogos</a:t>
@@ -4407,8 +4507,8 @@
         </p:nvSpPr>
         <p:spPr>
           <a:xfrm>
-            <a:off x="2952000" y="8280000"/>
-            <a:ext cx="1944000" cy="1007999"/>
+            <a:off x="3853440" y="9244800"/>
+            <a:ext cx="2280960" cy="676800"/>
           </a:xfrm>
           <a:prstGeom prst="roundRect">
             <a:avLst/>
@@ -4441,7 +4541,11 @@
           <a:lstStyle/>
           <a:p>
             <a:pPr algn="ctr">
-              <a:defRPr sz="1800" b="0"/>
+              <a:defRPr sz="1800" b="0">
+                <a:solidFill>
+                  <a:srgbClr val="000000"/>
+                </a:solidFill>
+              </a:defRPr>
             </a:pPr>
             <a:r>
               <a:t>Auto guardado temporal</a:t>
@@ -4457,8 +4561,8 @@
         </p:nvSpPr>
         <p:spPr>
           <a:xfrm>
-            <a:off x="5328000" y="8280000"/>
-            <a:ext cx="1944000" cy="1007999"/>
+            <a:off x="6419520" y="9244800"/>
+            <a:ext cx="2280960" cy="676800"/>
           </a:xfrm>
           <a:prstGeom prst="roundRect">
             <a:avLst/>
@@ -4491,7 +4595,11 @@
           <a:lstStyle/>
           <a:p>
             <a:pPr algn="ctr">
-              <a:defRPr sz="1800" b="0"/>
+              <a:defRPr sz="1800" b="0">
+                <a:solidFill>
+                  <a:srgbClr val="000000"/>
+                </a:solidFill>
+              </a:defRPr>
             </a:pPr>
             <a:r>
               <a:t>Bitácora logs.csv</a:t>
@@ -4507,8 +4615,8 @@
         </p:nvSpPr>
         <p:spPr>
           <a:xfrm>
-            <a:off x="7704000" y="8280000"/>
-            <a:ext cx="1944000" cy="1007999"/>
+            <a:off x="8985600" y="9244800"/>
+            <a:ext cx="2280960" cy="676800"/>
           </a:xfrm>
           <a:prstGeom prst="roundRect">
             <a:avLst/>
@@ -4541,7 +4649,11 @@
           <a:lstStyle/>
           <a:p>
             <a:pPr algn="ctr">
-              <a:defRPr sz="1800" b="0"/>
+              <a:defRPr sz="1800" b="0">
+                <a:solidFill>
+                  <a:srgbClr val="000000"/>
+                </a:solidFill>
+              </a:defRPr>
             </a:pPr>
             <a:r>
               <a:t>report_builder</a:t>
@@ -4557,10 +4669,10 @@
         </p:nvCxnSpPr>
         <p:spPr>
           <a:xfrm>
-            <a:off x="1620000.0" y="2340000.0"/>
-            <a:ext cx="2376000.0" cy="0.0"/>
-          </a:xfrm>
-          <a:prstGeom prst="line">
+            <a:off x="3140640" y="2561400.0"/>
+            <a:ext cx="427680" cy="0.0"/>
+          </a:xfrm>
+          <a:prstGeom prst="bentConnector3">
             <a:avLst/>
           </a:prstGeom>
           <a:ln w="25400"/>
@@ -4588,10 +4700,10 @@
         </p:nvCxnSpPr>
         <p:spPr>
           <a:xfrm>
-            <a:off x="3996000.0" y="2340000.0"/>
-            <a:ext cx="2376000.0" cy="90000.0"/>
-          </a:xfrm>
-          <a:prstGeom prst="line">
+            <a:off x="5849280" y="2561400.0"/>
+            <a:ext cx="570240" cy="423000.0"/>
+          </a:xfrm>
+          <a:prstGeom prst="bentConnector3">
             <a:avLst/>
           </a:prstGeom>
           <a:ln w="25400"/>
@@ -4619,10 +4731,10 @@
         </p:nvCxnSpPr>
         <p:spPr>
           <a:xfrm flipH="1">
-            <a:off x="6372000.0" y="2430000.0"/>
-            <a:ext cx="2376000.0" cy="0.0"/>
-          </a:xfrm>
-          <a:prstGeom prst="line">
+            <a:off x="9270720" y="2984400"/>
+            <a:ext cx="1853280.0" cy="0.0"/>
+          </a:xfrm>
+          <a:prstGeom prst="bentConnector3">
             <a:avLst/>
           </a:prstGeom>
           <a:ln w="25400"/>
@@ -4650,10 +4762,10 @@
         </p:nvCxnSpPr>
         <p:spPr>
           <a:xfrm flipH="1">
-            <a:off x="6372000.0" y="2340000.0"/>
-            <a:ext cx="4752000.0" cy="90000.0"/>
-          </a:xfrm>
-          <a:prstGeom prst="line">
+            <a:off x="9270720" y="2984400"/>
+            <a:ext cx="3991680.0" cy="0.0"/>
+          </a:xfrm>
+          <a:prstGeom prst="bentConnector3">
             <a:avLst/>
           </a:prstGeom>
           <a:ln w="25400"/>
@@ -4680,11 +4792,11 @@
           <p:nvPr/>
         </p:nvCxnSpPr>
         <p:spPr>
-          <a:xfrm flipH="1">
-            <a:off x="6372000.0" y="2340000.0"/>
-            <a:ext cx="7128000.0" cy="90000.0"/>
-          </a:xfrm>
-          <a:prstGeom prst="line">
+          <a:xfrm flipH="1" flipV="1">
+            <a:off x="9270720" y="2984400.0"/>
+            <a:ext cx="1853280.0" cy="338400.0"/>
+          </a:xfrm>
+          <a:prstGeom prst="bentConnector3">
             <a:avLst/>
           </a:prstGeom>
           <a:ln w="25400"/>
@@ -4712,10 +4824,10 @@
         </p:nvCxnSpPr>
         <p:spPr>
           <a:xfrm flipH="1">
-            <a:off x="3996000.0" y="2430000.0"/>
-            <a:ext cx="2376000.0" cy="1890000.0"/>
-          </a:xfrm>
-          <a:prstGeom prst="line">
+            <a:off x="5136480.0" y="3492000"/>
+            <a:ext cx="2708640.0" cy="846000"/>
+          </a:xfrm>
+          <a:prstGeom prst="bentConnector3">
             <a:avLst/>
           </a:prstGeom>
           <a:ln w="25400"/>
@@ -4743,10 +4855,10 @@
         </p:nvCxnSpPr>
         <p:spPr>
           <a:xfrm>
-            <a:off x="3996000.0" y="4320000.0"/>
-            <a:ext cx="2376000.0" cy="72000.0"/>
-          </a:xfrm>
-          <a:prstGeom prst="line">
+            <a:off x="6134400" y="4718700.0"/>
+            <a:ext cx="570240" cy="126900.0"/>
+          </a:xfrm>
+          <a:prstGeom prst="bentConnector3">
             <a:avLst/>
           </a:prstGeom>
           <a:ln w="25400"/>
@@ -4774,10 +4886,10 @@
         </p:nvCxnSpPr>
         <p:spPr>
           <a:xfrm>
-            <a:off x="6372000.0" y="4392000.0"/>
-            <a:ext cx="2376000.0" cy="144000.0"/>
-          </a:xfrm>
-          <a:prstGeom prst="line">
+            <a:off x="9270720" y="4845600.0"/>
+            <a:ext cx="570240" cy="0.0"/>
+          </a:xfrm>
+          <a:prstGeom prst="bentConnector3">
             <a:avLst/>
           </a:prstGeom>
           <a:ln w="25400"/>
@@ -4805,10 +4917,10 @@
         </p:nvCxnSpPr>
         <p:spPr>
           <a:xfrm flipH="1">
-            <a:off x="1620000.0" y="4392000.0"/>
-            <a:ext cx="4752000.0" cy="1404000.0"/>
-          </a:xfrm>
-          <a:prstGeom prst="line">
+            <a:off x="2570400.0" y="4845600.0"/>
+            <a:ext cx="4134240.0" cy="1015200.0"/>
+          </a:xfrm>
+          <a:prstGeom prst="bentConnector3">
             <a:avLst/>
           </a:prstGeom>
           <a:ln w="25400"/>
@@ -4836,10 +4948,10 @@
         </p:nvCxnSpPr>
         <p:spPr>
           <a:xfrm flipH="1">
-            <a:off x="3996000.0" y="4392000.0"/>
-            <a:ext cx="2376000.0" cy="1404000.0"/>
-          </a:xfrm>
-          <a:prstGeom prst="line">
+            <a:off x="5706720.0" y="4845600.0"/>
+            <a:ext cx="997920.0" cy="1015200.0"/>
+          </a:xfrm>
+          <a:prstGeom prst="bentConnector3">
             <a:avLst/>
           </a:prstGeom>
           <a:ln w="25400"/>
@@ -4867,10 +4979,10 @@
         </p:nvCxnSpPr>
         <p:spPr>
           <a:xfrm>
-            <a:off x="6372000.0" y="4392000.0"/>
-            <a:ext cx="0.0" cy="1440000.0"/>
-          </a:xfrm>
-          <a:prstGeom prst="line">
+            <a:off x="7987680.0" y="5353200"/>
+            <a:ext cx="855360.0" cy="507600"/>
+          </a:xfrm>
+          <a:prstGeom prst="bentConnector3">
             <a:avLst/>
           </a:prstGeom>
           <a:ln w="25400"/>
@@ -4898,10 +5010,10 @@
         </p:nvCxnSpPr>
         <p:spPr>
           <a:xfrm>
-            <a:off x="6372000.0" y="5832000.0"/>
-            <a:ext cx="2376000.0" cy="0.0"/>
-          </a:xfrm>
-          <a:prstGeom prst="line">
+            <a:off x="10126080" y="6326100.0"/>
+            <a:ext cx="570240" cy="0.0"/>
+          </a:xfrm>
+          <a:prstGeom prst="bentConnector3">
             <a:avLst/>
           </a:prstGeom>
           <a:ln w="25400"/>
@@ -4928,11 +5040,11 @@
           <p:nvPr/>
         </p:nvCxnSpPr>
         <p:spPr>
-          <a:xfrm flipV="1">
-            <a:off x="8748000.0" y="5796000.0"/>
-            <a:ext cx="2376000.0" cy="36000.0"/>
-          </a:xfrm>
-          <a:prstGeom prst="line">
+          <a:xfrm>
+            <a:off x="13262400" y="6326100.0"/>
+            <a:ext cx="0" cy="0.0"/>
+          </a:xfrm>
+          <a:prstGeom prst="bentConnector3">
             <a:avLst/>
           </a:prstGeom>
           <a:ln w="25400"/>
@@ -4960,10 +5072,10 @@
         </p:nvCxnSpPr>
         <p:spPr>
           <a:xfrm flipH="1">
-            <a:off x="1548000.0" y="4392000.0"/>
-            <a:ext cx="4824000.0" cy="2231999.5"/>
-          </a:xfrm>
-          <a:prstGeom prst="line">
+            <a:off x="2427840.0" y="5353200"/>
+            <a:ext cx="5559840.0" cy="1692000"/>
+          </a:xfrm>
+          <a:prstGeom prst="bentConnector3">
             <a:avLst/>
           </a:prstGeom>
           <a:ln w="25400"/>
@@ -4991,10 +5103,10 @@
         </p:nvCxnSpPr>
         <p:spPr>
           <a:xfrm flipH="1" flipV="1">
-            <a:off x="1548000.0" y="6623999.5"/>
-            <a:ext cx="7128000.0" cy="1152000.0"/>
-          </a:xfrm>
-          <a:prstGeom prst="line">
+            <a:off x="2427840.0" y="7806600"/>
+            <a:ext cx="7698240.0" cy="253800"/>
+          </a:xfrm>
+          <a:prstGeom prst="bentConnector3">
             <a:avLst/>
           </a:prstGeom>
           <a:ln w="25400"/>
@@ -5022,10 +5134,10 @@
         </p:nvCxnSpPr>
         <p:spPr>
           <a:xfrm>
-            <a:off x="1548000.0" y="6623999.5"/>
-            <a:ext cx="9504000.0" cy="1152000.0"/>
-          </a:xfrm>
-          <a:prstGeom prst="line">
+            <a:off x="3568320" y="7425900.0"/>
+            <a:ext cx="7983360" cy="1015200.0"/>
+          </a:xfrm>
+          <a:prstGeom prst="bentConnector3">
             <a:avLst/>
           </a:prstGeom>
           <a:ln w="25400"/>
@@ -5053,10 +5165,10 @@
         </p:nvCxnSpPr>
         <p:spPr>
           <a:xfrm flipH="1">
-            <a:off x="3924000.0" y="4392000.0"/>
-            <a:ext cx="2448000.0" cy="2231999.5"/>
-          </a:xfrm>
-          <a:prstGeom prst="line">
+            <a:off x="4993920.0" y="5353200"/>
+            <a:ext cx="2993760.0" cy="1692000"/>
+          </a:xfrm>
+          <a:prstGeom prst="bentConnector3">
             <a:avLst/>
           </a:prstGeom>
           <a:ln w="25400"/>
@@ -5084,10 +5196,10 @@
         </p:nvCxnSpPr>
         <p:spPr>
           <a:xfrm flipH="1" flipV="1">
-            <a:off x="3924000.0" y="6623999.5"/>
-            <a:ext cx="4752000.0" cy="1152000.0"/>
-          </a:xfrm>
-          <a:prstGeom prst="line">
+            <a:off x="4993920.0" y="7806600"/>
+            <a:ext cx="5132160.0" cy="253800"/>
+          </a:xfrm>
+          <a:prstGeom prst="bentConnector3">
             <a:avLst/>
           </a:prstGeom>
           <a:ln w="25400"/>
@@ -5115,10 +5227,10 @@
         </p:nvCxnSpPr>
         <p:spPr>
           <a:xfrm>
-            <a:off x="3924000.0" y="6623999.5"/>
-            <a:ext cx="7128000.0" cy="1152000.0"/>
-          </a:xfrm>
-          <a:prstGeom prst="line">
+            <a:off x="6134400" y="7425900.0"/>
+            <a:ext cx="5417280" cy="1015200.0"/>
+          </a:xfrm>
+          <a:prstGeom prst="bentConnector3">
             <a:avLst/>
           </a:prstGeom>
           <a:ln w="25400"/>
@@ -5146,10 +5258,10 @@
         </p:nvCxnSpPr>
         <p:spPr>
           <a:xfrm flipH="1">
-            <a:off x="6300000.0" y="4392000.0"/>
-            <a:ext cx="72000.0" cy="2231999.5"/>
-          </a:xfrm>
-          <a:prstGeom prst="line">
+            <a:off x="7560000.0" y="5353200"/>
+            <a:ext cx="427680.0" cy="1692000"/>
+          </a:xfrm>
+          <a:prstGeom prst="bentConnector3">
             <a:avLst/>
           </a:prstGeom>
           <a:ln w="25400"/>
@@ -5177,10 +5289,10 @@
         </p:nvCxnSpPr>
         <p:spPr>
           <a:xfrm flipH="1" flipV="1">
-            <a:off x="6300000.0" y="6623999.5"/>
-            <a:ext cx="2376000.0" cy="1152000.0"/>
-          </a:xfrm>
-          <a:prstGeom prst="line">
+            <a:off x="7560000.0" y="7806600"/>
+            <a:ext cx="2566080.0" cy="253800"/>
+          </a:xfrm>
+          <a:prstGeom prst="bentConnector3">
             <a:avLst/>
           </a:prstGeom>
           <a:ln w="25400"/>
@@ -5208,10 +5320,10 @@
         </p:nvCxnSpPr>
         <p:spPr>
           <a:xfrm>
-            <a:off x="6300000.0" y="6623999.5"/>
-            <a:ext cx="4752000.0" cy="1152000.0"/>
-          </a:xfrm>
-          <a:prstGeom prst="line">
+            <a:off x="8700480" y="7425900.0"/>
+            <a:ext cx="2851200" cy="1015200.0"/>
+          </a:xfrm>
+          <a:prstGeom prst="bentConnector3">
             <a:avLst/>
           </a:prstGeom>
           <a:ln w="25400"/>
@@ -5239,10 +5351,10 @@
         </p:nvCxnSpPr>
         <p:spPr>
           <a:xfrm>
-            <a:off x="6372000.0" y="4392000.0"/>
-            <a:ext cx="2304000.0" cy="2231999.5"/>
-          </a:xfrm>
-          <a:prstGeom prst="line">
+            <a:off x="7987680.0" y="5353200"/>
+            <a:ext cx="2138400.0" cy="1692000"/>
+          </a:xfrm>
+          <a:prstGeom prst="bentConnector3">
             <a:avLst/>
           </a:prstGeom>
           <a:ln w="25400"/>
@@ -5270,10 +5382,10 @@
         </p:nvCxnSpPr>
         <p:spPr>
           <a:xfrm flipV="1">
-            <a:off x="8676000.0" y="6623999.5"/>
-            <a:ext cx="0.0" cy="1152000.0"/>
-          </a:xfrm>
-          <a:prstGeom prst="line">
+            <a:off x="10126080.0" y="7806600"/>
+            <a:ext cx="0.0" cy="253800"/>
+          </a:xfrm>
+          <a:prstGeom prst="bentConnector3">
             <a:avLst/>
           </a:prstGeom>
           <a:ln w="25400"/>
@@ -5301,10 +5413,10 @@
         </p:nvCxnSpPr>
         <p:spPr>
           <a:xfrm>
-            <a:off x="8676000.0" y="6623999.5"/>
-            <a:ext cx="2376000.0" cy="1152000.0"/>
-          </a:xfrm>
-          <a:prstGeom prst="line">
+            <a:off x="11266560" y="7425900.0"/>
+            <a:ext cx="285120" cy="1015200.0"/>
+          </a:xfrm>
+          <a:prstGeom prst="bentConnector3">
             <a:avLst/>
           </a:prstGeom>
           <a:ln w="25400"/>
@@ -5332,10 +5444,10 @@
         </p:nvCxnSpPr>
         <p:spPr>
           <a:xfrm>
-            <a:off x="6372000.0" y="4392000.0"/>
-            <a:ext cx="4680000.0" cy="2231999.5"/>
-          </a:xfrm>
-          <a:prstGeom prst="line">
+            <a:off x="7987680.0" y="5353200"/>
+            <a:ext cx="4704480.0" cy="1692000"/>
+          </a:xfrm>
+          <a:prstGeom prst="bentConnector3">
             <a:avLst/>
           </a:prstGeom>
           <a:ln w="25400"/>
@@ -5363,10 +5475,10 @@
         </p:nvCxnSpPr>
         <p:spPr>
           <a:xfrm flipV="1">
-            <a:off x="8676000.0" y="6623999.5"/>
-            <a:ext cx="2376000.0" cy="1152000.0"/>
-          </a:xfrm>
-          <a:prstGeom prst="line">
+            <a:off x="10126080.0" y="7806600"/>
+            <a:ext cx="2566080.0" cy="253800"/>
+          </a:xfrm>
+          <a:prstGeom prst="bentConnector3">
             <a:avLst/>
           </a:prstGeom>
           <a:ln w="25400"/>
@@ -5393,11 +5505,11 @@
           <p:nvPr/>
         </p:nvCxnSpPr>
         <p:spPr>
-          <a:xfrm>
-            <a:off x="11052000.0" y="6623999.5"/>
-            <a:ext cx="0.0" cy="1152000.0"/>
-          </a:xfrm>
-          <a:prstGeom prst="line">
+          <a:xfrm flipH="1">
+            <a:off x="11551680" y="7425900.0"/>
+            <a:ext cx="2280960" cy="1015200.0"/>
+          </a:xfrm>
+          <a:prstGeom prst="bentConnector3">
             <a:avLst/>
           </a:prstGeom>
           <a:ln w="25400"/>
@@ -5425,10 +5537,10 @@
         </p:nvCxnSpPr>
         <p:spPr>
           <a:xfrm flipH="1">
-            <a:off x="1548000.0" y="4392000.0"/>
-            <a:ext cx="4824000.0" cy="3383999.5"/>
-          </a:xfrm>
-          <a:prstGeom prst="line">
+            <a:off x="2427840.0" y="5353200"/>
+            <a:ext cx="5559840.0" cy="2707200"/>
+          </a:xfrm>
+          <a:prstGeom prst="bentConnector3">
             <a:avLst/>
           </a:prstGeom>
           <a:ln w="25400"/>
@@ -5456,10 +5568,10 @@
         </p:nvCxnSpPr>
         <p:spPr>
           <a:xfrm flipH="1">
-            <a:off x="1548000.0" y="7775999.5"/>
-            <a:ext cx="7128000.0" cy="0.0"/>
-          </a:xfrm>
-          <a:prstGeom prst="line">
+            <a:off x="2427840.0" y="8060400"/>
+            <a:ext cx="7698240.0" cy="761400"/>
+          </a:xfrm>
+          <a:prstGeom prst="bentConnector3">
             <a:avLst/>
           </a:prstGeom>
           <a:ln w="25400"/>
@@ -5487,10 +5599,10 @@
         </p:nvCxnSpPr>
         <p:spPr>
           <a:xfrm>
-            <a:off x="1548000.0" y="7775999.5"/>
-            <a:ext cx="9504000.0" cy="0.0"/>
-          </a:xfrm>
-          <a:prstGeom prst="line">
+            <a:off x="3568320" y="8441100.0"/>
+            <a:ext cx="7983360" cy="0.0"/>
+          </a:xfrm>
+          <a:prstGeom prst="bentConnector3">
             <a:avLst/>
           </a:prstGeom>
           <a:ln w="25400"/>
@@ -5518,10 +5630,10 @@
         </p:nvCxnSpPr>
         <p:spPr>
           <a:xfrm flipH="1">
-            <a:off x="3924000.0" y="4392000.0"/>
-            <a:ext cx="2448000.0" cy="3383999.5"/>
-          </a:xfrm>
-          <a:prstGeom prst="line">
+            <a:off x="4993920.0" y="5353200"/>
+            <a:ext cx="2993760.0" cy="2707200"/>
+          </a:xfrm>
+          <a:prstGeom prst="bentConnector3">
             <a:avLst/>
           </a:prstGeom>
           <a:ln w="25400"/>
@@ -5549,10 +5661,10 @@
         </p:nvCxnSpPr>
         <p:spPr>
           <a:xfrm flipH="1">
-            <a:off x="3924000.0" y="7775999.5"/>
-            <a:ext cx="4752000.0" cy="0.0"/>
-          </a:xfrm>
-          <a:prstGeom prst="line">
+            <a:off x="4993920.0" y="8060400"/>
+            <a:ext cx="5132160.0" cy="761400"/>
+          </a:xfrm>
+          <a:prstGeom prst="bentConnector3">
             <a:avLst/>
           </a:prstGeom>
           <a:ln w="25400"/>
@@ -5580,10 +5692,10 @@
         </p:nvCxnSpPr>
         <p:spPr>
           <a:xfrm>
-            <a:off x="3924000.0" y="7775999.5"/>
-            <a:ext cx="7128000.0" cy="0.0"/>
-          </a:xfrm>
-          <a:prstGeom prst="line">
+            <a:off x="6134400" y="8441100.0"/>
+            <a:ext cx="5417280" cy="0.0"/>
+          </a:xfrm>
+          <a:prstGeom prst="bentConnector3">
             <a:avLst/>
           </a:prstGeom>
           <a:ln w="25400"/>
@@ -5611,10 +5723,10 @@
         </p:nvCxnSpPr>
         <p:spPr>
           <a:xfrm flipH="1">
-            <a:off x="6300000.0" y="4392000.0"/>
-            <a:ext cx="72000.0" cy="3383999.5"/>
-          </a:xfrm>
-          <a:prstGeom prst="line">
+            <a:off x="7560000.0" y="5353200"/>
+            <a:ext cx="427680.0" cy="2707200"/>
+          </a:xfrm>
+          <a:prstGeom prst="bentConnector3">
             <a:avLst/>
           </a:prstGeom>
           <a:ln w="25400"/>
@@ -5642,10 +5754,10 @@
         </p:nvCxnSpPr>
         <p:spPr>
           <a:xfrm flipH="1">
-            <a:off x="6300000.0" y="7775999.5"/>
-            <a:ext cx="2376000.0" cy="0.0"/>
-          </a:xfrm>
-          <a:prstGeom prst="line">
+            <a:off x="7560000.0" y="8060400"/>
+            <a:ext cx="2566080.0" cy="761400"/>
+          </a:xfrm>
+          <a:prstGeom prst="bentConnector3">
             <a:avLst/>
           </a:prstGeom>
           <a:ln w="25400"/>
@@ -5673,10 +5785,10 @@
         </p:nvCxnSpPr>
         <p:spPr>
           <a:xfrm>
-            <a:off x="6300000.0" y="7775999.5"/>
-            <a:ext cx="4752000.0" cy="0.0"/>
-          </a:xfrm>
-          <a:prstGeom prst="line">
+            <a:off x="8700480" y="8441100.0"/>
+            <a:ext cx="2851200" cy="0.0"/>
+          </a:xfrm>
+          <a:prstGeom prst="bentConnector3">
             <a:avLst/>
           </a:prstGeom>
           <a:ln w="25400"/>
@@ -5704,10 +5816,10 @@
         </p:nvCxnSpPr>
         <p:spPr>
           <a:xfrm flipH="1">
-            <a:off x="3924000.0" y="4392000.0"/>
-            <a:ext cx="2448000.0" cy="4391999.5"/>
-          </a:xfrm>
-          <a:prstGeom prst="line">
+            <a:off x="4993920.0" y="5353200"/>
+            <a:ext cx="2993760.0" cy="3891600"/>
+          </a:xfrm>
+          <a:prstGeom prst="bentConnector3">
             <a:avLst/>
           </a:prstGeom>
           <a:ln w="25400"/>
@@ -5735,10 +5847,10 @@
         </p:nvCxnSpPr>
         <p:spPr>
           <a:xfrm flipH="1">
-            <a:off x="6300000.0" y="4392000.0"/>
-            <a:ext cx="72000.0" cy="4391999.5"/>
-          </a:xfrm>
-          <a:prstGeom prst="line">
+            <a:off x="7560000.0" y="5353200"/>
+            <a:ext cx="427680.0" cy="3891600"/>
+          </a:xfrm>
+          <a:prstGeom prst="bentConnector3">
             <a:avLst/>
           </a:prstGeom>
           <a:ln w="25400"/>
@@ -5766,10 +5878,10 @@
         </p:nvCxnSpPr>
         <p:spPr>
           <a:xfrm>
-            <a:off x="6372000.0" y="4392000.0"/>
-            <a:ext cx="2304000.0" cy="4391999.5"/>
-          </a:xfrm>
-          <a:prstGeom prst="line">
+            <a:off x="7987680.0" y="5353200"/>
+            <a:ext cx="2138400.0" cy="3891600"/>
+          </a:xfrm>
+          <a:prstGeom prst="bentConnector3">
             <a:avLst/>
           </a:prstGeom>
           <a:ln w="25400"/>
@@ -5796,11 +5908,11 @@
           <p:nvPr/>
         </p:nvCxnSpPr>
         <p:spPr>
-          <a:xfrm flipV="1">
-            <a:off x="8676000.0" y="5832000.0"/>
-            <a:ext cx="72000.0" cy="2951999.5"/>
-          </a:xfrm>
-          <a:prstGeom prst="line">
+          <a:xfrm flipH="1" flipV="1">
+            <a:off x="10696320" y="6326100.0"/>
+            <a:ext cx="570240" cy="3257100.0"/>
+          </a:xfrm>
+          <a:prstGeom prst="bentConnector3">
             <a:avLst/>
           </a:prstGeom>
           <a:ln w="25400"/>
@@ -5861,7 +5973,11 @@
           <a:lstStyle/>
           <a:p>
             <a:pPr algn="ctr">
-              <a:defRPr sz="3200" b="1"/>
+              <a:defRPr sz="3200" b="1">
+                <a:solidFill>
+                  <a:srgbClr val="000000"/>
+                </a:solidFill>
+              </a:defRPr>
             </a:pPr>
             <a:r>
               <a:t>Secuencia – editable</a:t>
@@ -5894,7 +6010,7 @@
             <a:pPr algn="ctr">
               <a:defRPr sz="1800">
                 <a:solidFill>
-                  <a:srgbClr val="404040"/>
+                  <a:srgbClr val="000000"/>
                 </a:solidFill>
               </a:defRPr>
             </a:pPr>
@@ -5946,7 +6062,11 @@
           <a:lstStyle/>
           <a:p>
             <a:pPr algn="ctr">
-              <a:defRPr sz="1800" b="1"/>
+              <a:defRPr sz="1800" b="1">
+                <a:solidFill>
+                  <a:srgbClr val="000000"/>
+                </a:solidFill>
+              </a:defRPr>
             </a:pPr>
             <a:r>
               <a:t>Gestión</a:t>
@@ -6029,7 +6149,11 @@
           <a:lstStyle/>
           <a:p>
             <a:pPr algn="ctr">
-              <a:defRPr sz="1800" b="1"/>
+              <a:defRPr sz="1800" b="1">
+                <a:solidFill>
+                  <a:srgbClr val="000000"/>
+                </a:solidFill>
+              </a:defRPr>
             </a:pPr>
             <a:r>
               <a:t>Investigador</a:t>
@@ -6112,7 +6236,11 @@
           <a:lstStyle/>
           <a:p>
             <a:pPr algn="ctr">
-              <a:defRPr sz="1800" b="1"/>
+              <a:defRPr sz="1800" b="1">
+                <a:solidFill>
+                  <a:srgbClr val="000000"/>
+                </a:solidFill>
+              </a:defRPr>
             </a:pPr>
             <a:r>
               <a:t>UI Python Tkinter GUI</a:t>
@@ -6199,7 +6327,11 @@
           <a:lstStyle/>
           <a:p>
             <a:pPr algn="ctr">
-              <a:defRPr sz="1800" b="1"/>
+              <a:defRPr sz="1800" b="1">
+                <a:solidFill>
+                  <a:srgbClr val="000000"/>
+                </a:solidFill>
+              </a:defRPr>
             </a:pPr>
             <a:r>
               <a:t>Validaciones (validators.py)</a:t>
@@ -6282,7 +6414,11 @@
           <a:lstStyle/>
           <a:p>
             <a:pPr algn="ctr">
-              <a:defRPr sz="1800" b="1"/>
+              <a:defRPr sz="1800" b="1">
+                <a:solidFill>
+                  <a:srgbClr val="000000"/>
+                </a:solidFill>
+              </a:defRPr>
             </a:pPr>
             <a:r>
               <a:t>Servicio de Catálogos/Autopoblado</a:t>
@@ -6365,7 +6501,11 @@
           <a:lstStyle/>
           <a:p>
             <a:pPr algn="ctr">
-              <a:defRPr sz="1800" b="1"/>
+              <a:defRPr sz="1800" b="1">
+                <a:solidFill>
+                  <a:srgbClr val="000000"/>
+                </a:solidFill>
+              </a:defRPr>
             </a:pPr>
             <a:r>
               <a:t>Importador CSV</a:t>
@@ -6448,7 +6588,11 @@
           <a:lstStyle/>
           <a:p>
             <a:pPr algn="ctr">
-              <a:defRPr sz="1800" b="1"/>
+              <a:defRPr sz="1800" b="1">
+                <a:solidFill>
+                  <a:srgbClr val="000000"/>
+                </a:solidFill>
+              </a:defRPr>
             </a:pPr>
             <a:r>
               <a:t>Autoguardado</a:t>
@@ -6531,7 +6675,11 @@
           <a:lstStyle/>
           <a:p>
             <a:pPr algn="ctr">
-              <a:defRPr sz="1800" b="1"/>
+              <a:defRPr sz="1800" b="1">
+                <a:solidFill>
+                  <a:srgbClr val="000000"/>
+                </a:solidFill>
+              </a:defRPr>
             </a:pPr>
             <a:r>
               <a:t>logger/logs.csv</a:t>
@@ -6614,7 +6762,11 @@
           <a:lstStyle/>
           <a:p>
             <a:pPr algn="ctr">
-              <a:defRPr sz="1800" b="1"/>
+              <a:defRPr sz="1800" b="1">
+                <a:solidFill>
+                  <a:srgbClr val="000000"/>
+                </a:solidFill>
+              </a:defRPr>
             </a:pPr>
             <a:r>
               <a:t>Reportes (report_builder)</a:t>
@@ -6822,7 +6974,11 @@
           <a:lstStyle/>
           <a:p>
             <a:pPr algn="l">
-              <a:defRPr sz="1600" b="0"/>
+              <a:defRPr sz="1600" b="0">
+                <a:solidFill>
+                  <a:srgbClr val="000000"/>
+                </a:solidFill>
+              </a:defRPr>
             </a:pPr>
             <a:r>
               <a:t>Entrada manual de datos</a:t>
@@ -7245,7 +7401,11 @@
           <a:lstStyle/>
           <a:p>
             <a:pPr algn="l">
-              <a:defRPr sz="1600" b="0"/>
+              <a:defRPr sz="1600" b="0">
+                <a:solidFill>
+                  <a:srgbClr val="000000"/>
+                </a:solidFill>
+              </a:defRPr>
             </a:pPr>
             <a:r>
               <a:t>Carga masiva</a:t>
@@ -7730,7 +7890,11 @@
           <a:lstStyle/>
           <a:p>
             <a:pPr algn="l">
-              <a:defRPr sz="1600" b="0"/>
+              <a:defRPr sz="1600" b="0">
+                <a:solidFill>
+                  <a:srgbClr val="000000"/>
+                </a:solidFill>
+              </a:defRPr>
             </a:pPr>
             <a:r>
               <a:t>Autocompletado/Autopoblado</a:t>
@@ -8215,7 +8379,11 @@
           <a:lstStyle/>
           <a:p>
             <a:pPr algn="l">
-              <a:defRPr sz="1600" b="0"/>
+              <a:defRPr sz="1600" b="0">
+                <a:solidFill>
+                  <a:srgbClr val="000000"/>
+                </a:solidFill>
+              </a:defRPr>
             </a:pPr>
             <a:r>
               <a:t>Autosave y logging continuos</a:t>
@@ -8390,7 +8558,11 @@
           <a:lstStyle/>
           <a:p>
             <a:pPr algn="l">
-              <a:defRPr sz="1600" b="0"/>
+              <a:defRPr sz="1600" b="0">
+                <a:solidFill>
+                  <a:srgbClr val="000000"/>
+                </a:solidFill>
+              </a:defRPr>
             </a:pPr>
             <a:r>
               <a:t>Guardado final</a:t>
